--- a/template.pptx
+++ b/template.pptx
@@ -422,35 +422,35 @@
           <a:p>
             <a:pPr lvl="0"/>
             <a:r>
-              <a:rPr lang="de-DE" noProof="0"/>
+              <a:rPr lang="de-DE" noProof="0" smtClean="0"/>
               <a:t>Textmasterformate durch Klicken bearbeiten</a:t>
             </a:r>
           </a:p>
           <a:p>
             <a:pPr lvl="1"/>
             <a:r>
-              <a:rPr lang="de-DE" noProof="0"/>
+              <a:rPr lang="de-DE" noProof="0" smtClean="0"/>
               <a:t>Zweite Ebene</a:t>
             </a:r>
           </a:p>
           <a:p>
             <a:pPr lvl="2"/>
             <a:r>
-              <a:rPr lang="de-DE" noProof="0"/>
+              <a:rPr lang="de-DE" noProof="0" smtClean="0"/>
               <a:t>Dritte Ebene</a:t>
             </a:r>
           </a:p>
           <a:p>
             <a:pPr lvl="3"/>
             <a:r>
-              <a:rPr lang="de-DE" noProof="0"/>
+              <a:rPr lang="de-DE" noProof="0" smtClean="0"/>
               <a:t>Vierte Ebene</a:t>
             </a:r>
           </a:p>
           <a:p>
             <a:pPr lvl="4"/>
             <a:r>
-              <a:rPr lang="de-DE" noProof="0"/>
+              <a:rPr lang="de-DE" noProof="0" smtClean="0"/>
               <a:t>Fünfte Ebene</a:t>
             </a:r>
           </a:p>
@@ -921,7 +921,7 @@
           <a:lstStyle/>
           <a:p>
             <a:pPr eaLnBrk="1" hangingPunct="1"/>
-            <a:endParaRPr lang="de-DE" altLang="de-DE">
+            <a:endParaRPr lang="de-DE" altLang="de-DE" smtClean="0">
               <a:latin typeface="Arial" panose="020B0604020202020204" pitchFamily="34" charset="0"/>
             </a:endParaRPr>
           </a:p>
@@ -978,9 +978,10 @@
           <a:lstStyle/>
           <a:p>
             <a:r>
-              <a:rPr lang="de-DE"/>
+              <a:rPr lang="de-DE" smtClean="0"/>
               <a:t>Titelmasterformat durch Klicken bearbeiten</a:t>
             </a:r>
+            <a:endParaRPr lang="de-DE"/>
           </a:p>
         </p:txBody>
       </p:sp>
@@ -1042,9 +1043,10 @@
           </a:lstStyle>
           <a:p>
             <a:r>
-              <a:rPr lang="de-DE"/>
+              <a:rPr lang="de-DE" smtClean="0"/>
               <a:t>Formatvorlage des Untertitelmasters durch Klicken bearbeiten</a:t>
             </a:r>
+            <a:endParaRPr lang="de-DE"/>
           </a:p>
         </p:txBody>
       </p:sp>
@@ -1073,7 +1075,7 @@
               <a:defRPr/>
             </a:pPr>
             <a:r>
-              <a:rPr lang="en-US" dirty="0"/>
+              <a:rPr lang="en-US" dirty="0" smtClean="0"/>
               <a:t>Prof. Dr.-Ing. Ralf Stetter</a:t>
             </a:r>
           </a:p>
@@ -1082,9 +1084,10 @@
               <a:defRPr/>
             </a:pPr>
             <a:r>
-              <a:rPr lang="en-US" sz="1600" dirty="0"/>
+              <a:rPr lang="en-US" sz="1600" dirty="0" smtClean="0"/>
               <a:t>Konstruktionsmethodik</a:t>
             </a:r>
+            <a:endParaRPr lang="en-US" sz="1600" dirty="0"/>
           </a:p>
         </p:txBody>
       </p:sp>
@@ -1168,9 +1171,10 @@
           <a:lstStyle/>
           <a:p>
             <a:r>
-              <a:rPr lang="de-DE"/>
+              <a:rPr lang="de-DE" smtClean="0"/>
               <a:t>Titelmasterformat durch Klicken bearbeiten</a:t>
             </a:r>
+            <a:endParaRPr lang="de-DE"/>
           </a:p>
         </p:txBody>
       </p:sp>
@@ -1199,7 +1203,7 @@
               <a:defRPr/>
             </a:pPr>
             <a:r>
-              <a:rPr lang="en-US" dirty="0"/>
+              <a:rPr lang="en-US" dirty="0" smtClean="0"/>
               <a:t>Prof. Dr.-Ing. Ralf Stetter</a:t>
             </a:r>
           </a:p>
@@ -1208,9 +1212,10 @@
               <a:defRPr/>
             </a:pPr>
             <a:r>
-              <a:rPr lang="en-US" sz="1600" dirty="0"/>
+              <a:rPr lang="en-US" sz="1600" dirty="0" smtClean="0"/>
               <a:t>Konstruktionsmethodik</a:t>
             </a:r>
+            <a:endParaRPr lang="en-US" sz="1600" dirty="0"/>
           </a:p>
         </p:txBody>
       </p:sp>
@@ -1339,7 +1344,7 @@
           <a:p>
             <a:pPr lvl="0"/>
             <a:r>
-              <a:rPr lang="de-DE" altLang="de-DE"/>
+              <a:rPr lang="de-DE" altLang="de-DE" smtClean="0"/>
               <a:t>Titelmasterformat durch Klicken bearbeiten</a:t>
             </a:r>
           </a:p>
@@ -1415,7 +1420,7 @@
               <a:defRPr/>
             </a:pPr>
             <a:r>
-              <a:rPr lang="en-US" sz="1000" dirty="0"/>
+              <a:rPr lang="en-US" sz="1000" dirty="0" smtClean="0"/>
               <a:t>Prof. Dr.-Ing. Ralf Stetter</a:t>
             </a:r>
           </a:p>
@@ -1424,9 +1429,10 @@
               <a:defRPr/>
             </a:pPr>
             <a:r>
-              <a:rPr lang="en-US" dirty="0"/>
+              <a:rPr lang="en-US" dirty="0" smtClean="0"/>
               <a:t>Konstruktionsmethodik</a:t>
             </a:r>
+            <a:endParaRPr lang="en-US" dirty="0"/>
           </a:p>
         </p:txBody>
       </p:sp>
@@ -1546,6 +1552,13 @@
     <p:sldLayoutId id="2147483649" r:id="rId1"/>
     <p:sldLayoutId id="2147483654" r:id="rId2"/>
   </p:sldLayoutIdLst>
+  <p:timing>
+    <p:tnLst>
+      <p:par>
+        <p:cTn id="1" dur="indefinite" restart="never" nodeType="tmRoot"/>
+      </p:par>
+    </p:tnLst>
+  </p:timing>
   <p:hf hdr="0" dt="0"/>
   <p:txStyles>
     <p:titleStyle>
@@ -2048,7 +2061,7 @@
           </a:lstStyle>
           <a:p>
             <a:r>
-              <a:rPr lang="en-US" altLang="de-DE" sz="1000">
+              <a:rPr lang="en-US" altLang="de-DE" sz="1000" smtClean="0">
                 <a:latin typeface="Zurich LtCn BT" panose="020B0406020202040204" pitchFamily="34" charset="0"/>
               </a:rPr>
               <a:t>Namen</a:t>
@@ -2056,7 +2069,7 @@
           </a:p>
           <a:p>
             <a:r>
-              <a:rPr lang="en-US" altLang="de-DE" sz="1600">
+              <a:rPr lang="en-US" altLang="de-DE" sz="1600" smtClean="0">
                 <a:latin typeface="Zurich LtCn BT" panose="020B0406020202040204" pitchFamily="34" charset="0"/>
               </a:rPr>
               <a:t>Konstruktionsmethodik</a:t>
@@ -2219,7 +2232,7 @@
           <a:p>
             <a:pPr defTabSz="1073150" eaLnBrk="1" hangingPunct="1"/>
             <a:r>
-              <a:rPr lang="de-DE" altLang="de-DE"/>
+              <a:rPr lang="de-DE" altLang="de-DE" smtClean="0"/>
               <a:t>Überschrift</a:t>
             </a:r>
           </a:p>
@@ -2375,7 +2388,7 @@
               <a:defRPr/>
             </a:pPr>
             <a:r>
-              <a:rPr lang="de-DE" sz="1800" dirty="0"/>
+              <a:rPr lang="de-DE" sz="1800" dirty="0" smtClean="0"/>
               <a:t>Text</a:t>
             </a:r>
           </a:p>
@@ -2389,7 +2402,7 @@
               <a:defRPr/>
             </a:pPr>
             <a:r>
-              <a:rPr lang="de-DE" sz="1800" dirty="0"/>
+              <a:rPr lang="de-DE" sz="1800" dirty="0" smtClean="0"/>
               <a:t>Text</a:t>
             </a:r>
           </a:p>
@@ -2403,7 +2416,7 @@
               <a:defRPr/>
             </a:pPr>
             <a:r>
-              <a:rPr lang="de-DE" sz="1800" dirty="0"/>
+              <a:rPr lang="de-DE" sz="1800" dirty="0" smtClean="0"/>
               <a:t>Text</a:t>
             </a:r>
           </a:p>
@@ -2417,7 +2430,7 @@
               <a:defRPr/>
             </a:pPr>
             <a:r>
-              <a:rPr lang="de-DE" sz="1800" dirty="0"/>
+              <a:rPr lang="de-DE" sz="1800" dirty="0" smtClean="0"/>
               <a:t>Text</a:t>
             </a:r>
           </a:p>
@@ -2428,6 +2441,13 @@
   <p:clrMapOvr>
     <a:masterClrMapping/>
   </p:clrMapOvr>
+  <p:timing>
+    <p:tnLst>
+      <p:par>
+        <p:cTn id="1" dur="indefinite" restart="never" nodeType="tmRoot"/>
+      </p:par>
+    </p:tnLst>
+  </p:timing>
 </p:sld>
 </file>
 
